--- a/presentation_slides/Slides_MWright.pptx
+++ b/presentation_slides/Slides_MWright.pptx
@@ -4428,11 +4428,7 @@
             </a:r>
             <a:r>
               <a:rPr lang="en-US" dirty="0" smtClean="0"/>
-              <a:t>Michael </a:t>
-            </a:r>
-            <a:r>
-              <a:rPr lang="en-US" dirty="0" smtClean="0"/>
-              <a:t>Wright</a:t>
+              <a:t>Michael Wright</a:t>
             </a:r>
           </a:p>
           <a:p>
@@ -4917,11 +4913,23 @@
             </a:r>
             <a:r>
               <a:rPr lang="en-CA" dirty="0" smtClean="0"/>
-              <a:t> of 11 universities with its head quarters at the Grid information Group at the university of </a:t>
-            </a:r>
-            <a:r>
-              <a:rPr lang="en-CA" dirty="0" err="1" smtClean="0"/>
-              <a:t>chicago</a:t>
+              <a:t> of 11 universities with its head </a:t>
+            </a:r>
+            <a:r>
+              <a:rPr lang="en-CA" dirty="0" smtClean="0"/>
+              <a:t>quarters at </a:t>
+            </a:r>
+            <a:r>
+              <a:rPr lang="en-CA" dirty="0" smtClean="0"/>
+              <a:t>the university of </a:t>
+            </a:r>
+            <a:r>
+              <a:rPr lang="en-CA" dirty="0" smtClean="0"/>
+              <a:t>C</a:t>
+            </a:r>
+            <a:r>
+              <a:rPr lang="en-CA" dirty="0" smtClean="0"/>
+              <a:t>hicago</a:t>
             </a:r>
             <a:endParaRPr lang="en-CA" dirty="0" smtClean="0"/>
           </a:p>
@@ -5077,13 +5085,8 @@
           <a:p>
             <a:r>
               <a:rPr lang="en-CA" sz="1200" dirty="0" smtClean="0"/>
-              <a:t>[</a:t>
-            </a:r>
-            <a:r>
-              <a:rPr lang="en-CA" sz="1200" dirty="0" smtClean="0"/>
-              <a:t>mw1] http://dlib.cs.odu.edu/WhatIsTheGrid.pdf</a:t>
-            </a:r>
-            <a:endParaRPr lang="en-CA" sz="1200" dirty="0" smtClean="0"/>
+              <a:t>[mw1] http://dlib.cs.odu.edu/WhatIsTheGrid.pdf</a:t>
+            </a:r>
           </a:p>
           <a:p>
             <a:r>
@@ -5094,13 +5097,7 @@
               <a:rPr lang="en-CA" sz="1200" dirty="0" smtClean="0">
                 <a:hlinkClick r:id="rId3"/>
               </a:rPr>
-              <a:t>http://www.gridforum.org/standards</a:t>
-            </a:r>
-            <a:r>
-              <a:rPr lang="en-CA" sz="1200" dirty="0" smtClean="0">
-                <a:hlinkClick r:id="rId3"/>
-              </a:rPr>
-              <a:t>/</a:t>
+              <a:t>http://www.gridforum.org/standards/</a:t>
             </a:r>
             <a:endParaRPr lang="en-CA" sz="1200" dirty="0" smtClean="0"/>
           </a:p>
@@ -5113,19 +5110,7 @@
               <a:rPr lang="en-CA" sz="1200" dirty="0" smtClean="0">
                 <a:hlinkClick r:id="rId4"/>
               </a:rPr>
-              <a:t>http</a:t>
-            </a:r>
-            <a:r>
-              <a:rPr lang="en-CA" sz="1200" dirty="0" smtClean="0">
-                <a:hlinkClick r:id="rId4"/>
-              </a:rPr>
-              <a:t>://</a:t>
-            </a:r>
-            <a:r>
-              <a:rPr lang="en-CA" sz="1200" dirty="0" smtClean="0">
-                <a:hlinkClick r:id="rId4"/>
-              </a:rPr>
-              <a:t>www.lk.cs.ucla.edu/LK/Bib/REPORT/press.html</a:t>
+              <a:t>http://www.lk.cs.ucla.edu/LK/Bib/REPORT/press.html</a:t>
             </a:r>
             <a:endParaRPr lang="en-CA" sz="1200" dirty="0" smtClean="0"/>
           </a:p>
@@ -5138,13 +5123,7 @@
               <a:rPr lang="en-CA" sz="1200" dirty="0" smtClean="0">
                 <a:hlinkClick r:id="rId5"/>
               </a:rPr>
-              <a:t>http://</a:t>
-            </a:r>
-            <a:r>
-              <a:rPr lang="en-CA" sz="1200" dirty="0" smtClean="0">
-                <a:hlinkClick r:id="rId5"/>
-              </a:rPr>
-              <a:t>books.google.ca/books?id=b4LWXLRBRLsC&amp;lpg=PA12&amp;ots=GSLfF7U8RW&amp;dq=grid%20computing%201980s&amp;pg=PP1#v=onepage&amp;q=grid%20computing%201980s&amp;f=false</a:t>
+              <a:t>http://books.google.ca/books?id=b4LWXLRBRLsC&amp;lpg=PA12&amp;ots=GSLfF7U8RW&amp;dq=grid%20computing%201980s&amp;pg=PP1#v=onepage&amp;q=grid%20computing%201980s&amp;f=false</a:t>
             </a:r>
             <a:endParaRPr lang="en-CA" sz="1200" dirty="0" smtClean="0"/>
           </a:p>
@@ -5157,13 +5136,7 @@
               <a:rPr lang="en-CA" sz="1200" dirty="0" smtClean="0">
                 <a:hlinkClick r:id="rId6"/>
               </a:rPr>
-              <a:t>http://</a:t>
-            </a:r>
-            <a:r>
-              <a:rPr lang="en-CA" sz="1200" dirty="0" smtClean="0">
-                <a:hlinkClick r:id="rId6"/>
-              </a:rPr>
-              <a:t>magazine.uchicago.edu/0404/features/index.shtml</a:t>
+              <a:t>http://magazine.uchicago.edu/0404/features/index.shtml</a:t>
             </a:r>
             <a:endParaRPr lang="en-CA" sz="1200" dirty="0" smtClean="0"/>
           </a:p>
@@ -5176,13 +5149,7 @@
               <a:rPr lang="en-CA" sz="1200" dirty="0" smtClean="0">
                 <a:hlinkClick r:id="rId7"/>
               </a:rPr>
-              <a:t>http://</a:t>
-            </a:r>
-            <a:r>
-              <a:rPr lang="en-CA" sz="1200" dirty="0" smtClean="0">
-                <a:hlinkClick r:id="rId7"/>
-              </a:rPr>
-              <a:t>boincstats.com/stats/project_graph.php?pr=sah</a:t>
+              <a:t>http://boincstats.com/stats/project_graph.php?pr=sah</a:t>
             </a:r>
             <a:endParaRPr lang="en-CA" sz="1200" dirty="0" smtClean="0"/>
           </a:p>
@@ -5201,19 +5168,7 @@
               <a:rPr lang="en-CA" sz="1200" smtClean="0">
                 <a:hlinkClick r:id="rId8"/>
               </a:rPr>
-              <a:t>https://</a:t>
-            </a:r>
-            <a:r>
-              <a:rPr lang="en-CA" sz="1200" smtClean="0">
-                <a:hlinkClick r:id="rId8"/>
-              </a:rPr>
-              <a:t>www.teragrid.org</a:t>
-            </a:r>
-            <a:r>
-              <a:rPr lang="en-CA" sz="1200" smtClean="0">
-                <a:hlinkClick r:id="rId8"/>
-              </a:rPr>
-              <a:t>/</a:t>
+              <a:t>https://www.teragrid.org/</a:t>
             </a:r>
             <a:endParaRPr lang="en-CA" sz="1200" smtClean="0"/>
           </a:p>
@@ -5593,9 +5548,6 @@
               </a:rPr>
               <a:t>Standardization</a:t>
             </a:r>
-            <a:endParaRPr lang="en-US" sz="2300" dirty="0" smtClean="0">
-              <a:latin typeface="+mn-lt"/>
-            </a:endParaRPr>
           </a:p>
           <a:p>
             <a:pPr marL="342900" indent="-342900" eaLnBrk="1" hangingPunct="1">
@@ -5638,9 +5590,6 @@
               </a:rPr>
               <a:t>Stagnation</a:t>
             </a:r>
-            <a:endParaRPr lang="en-US" sz="2300" dirty="0" smtClean="0">
-              <a:latin typeface="+mn-lt"/>
-            </a:endParaRPr>
           </a:p>
           <a:p>
             <a:pPr marL="342900" indent="-342900" eaLnBrk="1" hangingPunct="1">
@@ -5803,14 +5752,6 @@
               </a:rPr>
               <a:t>Grid computing is a series of independent computers working together through sharing resources to achieve more than could be achieved independently. </a:t>
             </a:r>
-            <a:endParaRPr lang="en-CA" dirty="0" smtClean="0">
-              <a:solidFill>
-                <a:schemeClr val="tx1"/>
-              </a:solidFill>
-              <a:latin typeface="+mn-lt"/>
-              <a:ea typeface="+mn-ea"/>
-              <a:cs typeface="+mn-cs"/>
-            </a:endParaRPr>
           </a:p>
           <a:p>
             <a:pPr lvl="0"/>
@@ -6107,24 +6048,13 @@
             <a:pPr lvl="1"/>
             <a:r>
               <a:rPr lang="en-CA" dirty="0" smtClean="0"/>
-              <a:t> </a:t>
+              <a:t> Current Standards are stated in the Open Grid Standard Architecture (OSGA</a:t>
             </a:r>
             <a:r>
               <a:rPr lang="en-CA" dirty="0" smtClean="0"/>
-              <a:t>Current Standards are stated in the Open Grid Standard Architecture (OSGA)</a:t>
-            </a:r>
-          </a:p>
-          <a:p>
-            <a:pPr lvl="1"/>
+              <a:t>)</a:t>
+            </a:r>
             <a:endParaRPr lang="en-CA" dirty="0" smtClean="0"/>
-          </a:p>
-          <a:p>
-            <a:pPr lvl="1"/>
-            <a:r>
-              <a:rPr lang="en-CA" dirty="0" smtClean="0"/>
-              <a:t>For high performance computing the standards are stated in the HPC basic profile</a:t>
-            </a:r>
-            <a:endParaRPr lang="en-CA" dirty="0"/>
           </a:p>
         </p:txBody>
       </p:sp>
@@ -6268,27 +6198,7 @@
             </a:r>
             <a:r>
               <a:rPr lang="en-CA" sz="1900" dirty="0" smtClean="0"/>
-              <a:t>We will probably see the spread of ‘computer utilities’, </a:t>
-            </a:r>
-            <a:r>
-              <a:rPr lang="en-CA" sz="1900" dirty="0" smtClean="0"/>
-              <a:t>which, like </a:t>
-            </a:r>
-            <a:r>
-              <a:rPr lang="en-CA" sz="1900" dirty="0" smtClean="0"/>
-              <a:t>present electric and telephone utilities, will service </a:t>
-            </a:r>
-            <a:r>
-              <a:rPr lang="en-CA" sz="1900" dirty="0" smtClean="0"/>
-              <a:t>individual homes </a:t>
-            </a:r>
-            <a:r>
-              <a:rPr lang="en-CA" sz="1900" dirty="0" smtClean="0"/>
-              <a:t>and offices across the </a:t>
-            </a:r>
-            <a:r>
-              <a:rPr lang="en-CA" sz="1900" dirty="0" smtClean="0"/>
-              <a:t>country”[mw1]</a:t>
+              <a:t>We will probably see the spread of ‘computer utilities’, which, like present electric and telephone utilities, will service individual homes and offices across the country”[mw1]</a:t>
             </a:r>
           </a:p>
           <a:p>
@@ -6449,7 +6359,11 @@
             <a:pPr lvl="2"/>
             <a:r>
               <a:rPr lang="en-CA" dirty="0" smtClean="0"/>
-              <a:t> High performance Routing</a:t>
+              <a:t>High </a:t>
+            </a:r>
+            <a:r>
+              <a:rPr lang="en-CA" dirty="0" smtClean="0"/>
+              <a:t>performance Routing</a:t>
             </a:r>
           </a:p>
           <a:p>
@@ -6568,23 +6482,7 @@
             <a:pPr lvl="1"/>
             <a:r>
               <a:rPr lang="en-CA" dirty="0" smtClean="0"/>
-              <a:t>Was a development </a:t>
-            </a:r>
-            <a:r>
-              <a:rPr lang="en-CA" dirty="0" smtClean="0"/>
-              <a:t>that </a:t>
-            </a:r>
-            <a:r>
-              <a:rPr lang="en-CA" dirty="0" smtClean="0"/>
-              <a:t>““</a:t>
-            </a:r>
-            <a:r>
-              <a:rPr lang="en-CA" dirty="0" smtClean="0"/>
-              <a:t>knitted” the sites “into a single virtual system,” so users could “log on once, locate suitable computers, reserve time, load application codes, and then monitor their execution</a:t>
-            </a:r>
-            <a:r>
-              <a:rPr lang="en-CA" dirty="0" smtClean="0"/>
-              <a:t>.””[mw5]</a:t>
+              <a:t>Was a development that ““knitted” the sites “into a single virtual system,” so users could “log on once, locate suitable computers, reserve time, load application codes, and then monitor their execution.””[mw5]</a:t>
             </a:r>
           </a:p>
           <a:p>
